--- a/Day9/9-paev-andmetarkus-esitlus.pptx
+++ b/Day9/9-paev-andmetarkus-esitlus.pptx
@@ -167,12 +167,33 @@
 </p:presentation>
 </file>
 
-<file path=ppt/revisionInfo.xml><?xml version="1.0" encoding="utf-8"?>
-<p1510:revInfo xmlns:a="http://schemas.openxmlformats.org/drawingml/2006/main" xmlns:r="http://schemas.openxmlformats.org/officeDocument/2006/relationships" xmlns:p1510="http://schemas.microsoft.com/office/powerpoint/2015/10/main">
-  <p1510:revLst>
-    <p1510:client id="{4278BC06-E256-FD90-1D29-F2FC0F485344}" v="103" dt="2025-09-02T17:52:10.057"/>
-  </p1510:revLst>
-</p1510:revInfo>
+<file path=ppt/changesInfos/changesInfo1.xml><?xml version="1.0" encoding="utf-8"?>
+<pc:chgInfo xmlns:a="http://schemas.openxmlformats.org/drawingml/2006/main" xmlns:r="http://schemas.openxmlformats.org/officeDocument/2006/relationships" xmlns:ac="http://schemas.microsoft.com/office/drawing/2013/main/command" xmlns:pc="http://schemas.microsoft.com/office/powerpoint/2013/main/command">
+  <pc:docChgLst>
+    <pc:chgData name="Virve Räni" userId="161a7437-7ef4-49ec-91bf-54882f313dfe" providerId="ADAL" clId="{6D754EED-65AA-4A21-B175-6769012CF487}"/>
+    <pc:docChg chg="modSld">
+      <pc:chgData name="Virve Räni" userId="161a7437-7ef4-49ec-91bf-54882f313dfe" providerId="ADAL" clId="{6D754EED-65AA-4A21-B175-6769012CF487}" dt="2025-09-04T12:21:49.227" v="3" actId="20577"/>
+      <pc:docMkLst>
+        <pc:docMk/>
+      </pc:docMkLst>
+      <pc:sldChg chg="modSp mod">
+        <pc:chgData name="Virve Räni" userId="161a7437-7ef4-49ec-91bf-54882f313dfe" providerId="ADAL" clId="{6D754EED-65AA-4A21-B175-6769012CF487}" dt="2025-09-04T12:21:49.227" v="3" actId="20577"/>
+        <pc:sldMkLst>
+          <pc:docMk/>
+          <pc:sldMk cId="2627330612" sldId="454"/>
+        </pc:sldMkLst>
+        <pc:graphicFrameChg chg="modGraphic">
+          <ac:chgData name="Virve Räni" userId="161a7437-7ef4-49ec-91bf-54882f313dfe" providerId="ADAL" clId="{6D754EED-65AA-4A21-B175-6769012CF487}" dt="2025-09-04T12:21:49.227" v="3" actId="20577"/>
+          <ac:graphicFrameMkLst>
+            <pc:docMk/>
+            <pc:sldMk cId="2627330612" sldId="454"/>
+            <ac:graphicFrameMk id="4" creationId="{4DA7E59D-57C7-5298-8A0B-FA47579CBCC0}"/>
+          </ac:graphicFrameMkLst>
+        </pc:graphicFrameChg>
+      </pc:sldChg>
+    </pc:docChg>
+  </pc:docChgLst>
+</pc:chgInfo>
 </file>
 
 <file path=ppt/diagrams/colors1.xml><?xml version="1.0" encoding="utf-8"?>
@@ -2913,7 +2934,7 @@
           <a:p>
             <a:fld id="{F9D2AD6E-DEDD-49A0-A4BE-7A081A9112DA}" type="datetimeFigureOut">
               <a:rPr lang="en-US" smtClean="0"/>
-              <a:t>9/3/2025</a:t>
+              <a:t>9/4/2025</a:t>
             </a:fld>
             <a:endParaRPr lang="en-US"/>
           </a:p>
@@ -3089,7 +3110,7 @@
           </a:lstStyle>
           <a:p>
             <a:fld id="{2AF9C1A6-4321-41FA-B001-4140F0E2457F}" type="datetimeFigureOut">
-              <a:t>03.09.2025</a:t>
+              <a:t>04.09.2025</a:t>
             </a:fld>
             <a:endParaRPr lang="en-US"/>
           </a:p>
@@ -4870,6 +4891,90 @@
           <a:bodyPr/>
           <a:lstStyle/>
           <a:p>
+            <a:endParaRPr lang="et-EE" dirty="0"/>
+          </a:p>
+        </p:txBody>
+      </p:sp>
+      <p:sp>
+        <p:nvSpPr>
+          <p:cNvPr id="4" name="Slide Number Placeholder 3"/>
+          <p:cNvSpPr>
+            <a:spLocks noGrp="1"/>
+          </p:cNvSpPr>
+          <p:nvPr>
+            <p:ph type="sldNum" sz="quarter" idx="5"/>
+          </p:nvPr>
+        </p:nvSpPr>
+        <p:spPr/>
+        <p:txBody>
+          <a:bodyPr/>
+          <a:lstStyle/>
+          <a:p>
+            <a:fld id="{46699514-027B-49BD-8B49-5054CA40ECF4}" type="slidenum">
+              <a:rPr lang="et-EE" smtClean="0"/>
+              <a:t>16</a:t>
+            </a:fld>
+            <a:endParaRPr lang="et-EE"/>
+          </a:p>
+        </p:txBody>
+      </p:sp>
+    </p:spTree>
+    <p:extLst>
+      <p:ext uri="{BB962C8B-B14F-4D97-AF65-F5344CB8AC3E}">
+        <p14:creationId xmlns:p14="http://schemas.microsoft.com/office/powerpoint/2010/main" val="1750051788"/>
+      </p:ext>
+    </p:extLst>
+  </p:cSld>
+  <p:clrMapOvr>
+    <a:masterClrMapping/>
+  </p:clrMapOvr>
+</p:notes>
+</file>
+
+<file path=ppt/notesSlides/notesSlide5.xml><?xml version="1.0" encoding="utf-8"?>
+<p:notes xmlns:a="http://schemas.openxmlformats.org/drawingml/2006/main" xmlns:r="http://schemas.openxmlformats.org/officeDocument/2006/relationships" xmlns:p="http://schemas.openxmlformats.org/presentationml/2006/main">
+  <p:cSld>
+    <p:spTree>
+      <p:nvGrpSpPr>
+        <p:cNvPr id="1" name=""/>
+        <p:cNvGrpSpPr/>
+        <p:nvPr/>
+      </p:nvGrpSpPr>
+      <p:grpSpPr>
+        <a:xfrm>
+          <a:off x="0" y="0"/>
+          <a:ext cx="0" cy="0"/>
+          <a:chOff x="0" y="0"/>
+          <a:chExt cx="0" cy="0"/>
+        </a:xfrm>
+      </p:grpSpPr>
+      <p:sp>
+        <p:nvSpPr>
+          <p:cNvPr id="2" name="Slide Image Placeholder 1"/>
+          <p:cNvSpPr>
+            <a:spLocks noGrp="1" noRot="1" noChangeAspect="1"/>
+          </p:cNvSpPr>
+          <p:nvPr>
+            <p:ph type="sldImg"/>
+          </p:nvPr>
+        </p:nvSpPr>
+        <p:spPr/>
+      </p:sp>
+      <p:sp>
+        <p:nvSpPr>
+          <p:cNvPr id="3" name="Notes Placeholder 2"/>
+          <p:cNvSpPr>
+            <a:spLocks noGrp="1"/>
+          </p:cNvSpPr>
+          <p:nvPr>
+            <p:ph type="body" idx="1"/>
+          </p:nvPr>
+        </p:nvSpPr>
+        <p:spPr/>
+        <p:txBody>
+          <a:bodyPr/>
+          <a:lstStyle/>
+          <a:p>
             <a:r>
               <a:rPr lang="en-US" err="1">
                 <a:ea typeface="Calibri"/>
@@ -5077,7 +5182,7 @@
 </p:notes>
 </file>
 
-<file path=ppt/notesSlides/notesSlide5.xml><?xml version="1.0" encoding="utf-8"?>
+<file path=ppt/notesSlides/notesSlide6.xml><?xml version="1.0" encoding="utf-8"?>
 <p:notes xmlns:a="http://schemas.openxmlformats.org/drawingml/2006/main" xmlns:r="http://schemas.openxmlformats.org/officeDocument/2006/relationships" xmlns:p="http://schemas.openxmlformats.org/presentationml/2006/main">
   <p:cSld>
     <p:spTree>
@@ -16409,7 +16514,7 @@
           <a:p>
             <a:fld id="{DE840A40-73C8-4048-8140-49F5D65BB431}" type="datetimeFigureOut">
               <a:rPr lang="et-EE" smtClean="0"/>
-              <a:t>03.09.2025</a:t>
+              <a:t>04.09.2025</a:t>
             </a:fld>
             <a:endParaRPr lang="et-EE"/>
           </a:p>
@@ -29235,37 +29340,37 @@
               </a:lnSpc>
             </a:pPr>
             <a:r>
-              <a:rPr lang="en-US" sz="2400" err="1">
+              <a:rPr lang="en-US" sz="2400" dirty="0" err="1">
                 <a:ea typeface="Inter"/>
               </a:rPr>
               <a:t>Klassifikaator</a:t>
             </a:r>
             <a:r>
-              <a:rPr lang="en-US" sz="2400">
+              <a:rPr lang="en-US" sz="2400" dirty="0">
                 <a:ea typeface="Inter"/>
               </a:rPr>
               <a:t> – </a:t>
             </a:r>
             <a:r>
-              <a:rPr lang="en-US" sz="2400" err="1">
+              <a:rPr lang="en-US" sz="2400" dirty="0" err="1">
                 <a:ea typeface="Inter"/>
               </a:rPr>
               <a:t>kategooriaks</a:t>
             </a:r>
             <a:r>
-              <a:rPr lang="en-US" sz="2400">
+              <a:rPr lang="en-US" sz="2400" dirty="0">
                 <a:ea typeface="Inter"/>
               </a:rPr>
               <a:t> </a:t>
             </a:r>
             <a:r>
-              <a:rPr lang="en-US" sz="2400" err="1">
+              <a:rPr lang="en-US" sz="2400" dirty="0" err="1">
                 <a:ea typeface="Inter"/>
               </a:rPr>
               <a:t>jaotamise</a:t>
             </a:r>
             <a:r>
-              <a:rPr lang="en-US" sz="2400">
+              <a:rPr lang="en-US" sz="2400" dirty="0">
                 <a:ea typeface="Inter"/>
               </a:rPr>
               <a:t> alus </a:t>
@@ -29280,38 +29385,80 @@
               <a:buChar char="o"/>
             </a:pPr>
             <a:r>
-              <a:rPr lang="en-US" sz="2400" err="1">
+              <a:rPr lang="en-US" sz="2400" dirty="0" err="1">
                 <a:ea typeface="Inter"/>
               </a:rPr>
               <a:t>Nt</a:t>
             </a:r>
             <a:r>
-              <a:rPr lang="en-US" sz="2400">
+              <a:rPr lang="en-US" sz="2400" dirty="0">
                 <a:ea typeface="Inter"/>
               </a:rPr>
               <a:t> </a:t>
             </a:r>
             <a:r>
-              <a:rPr lang="en-US" sz="2400">
+              <a:rPr lang="en-US" sz="2400" dirty="0" err="1">
                 <a:ea typeface="Inter"/>
                 <a:hlinkClick r:id="rId2"/>
               </a:rPr>
-              <a:t>Ametite klassifikaator</a:t>
-            </a:r>
-            <a:r>
-              <a:rPr lang="en-US" sz="2400">
+              <a:t>Ametite</a:t>
+            </a:r>
+            <a:r>
+              <a:rPr lang="en-US" sz="2400" dirty="0">
                 <a:ea typeface="Inter"/>
+                <a:hlinkClick r:id="rId2"/>
+              </a:rPr>
+              <a:t> </a:t>
+            </a:r>
+            <a:r>
+              <a:rPr lang="en-US" sz="2400" dirty="0" err="1">
+                <a:ea typeface="Inter"/>
+                <a:hlinkClick r:id="rId2"/>
+              </a:rPr>
+              <a:t>klassifikaator</a:t>
+            </a:r>
+            <a:r>
+              <a:rPr lang="en-US" sz="2400" dirty="0">
+                <a:ea typeface="Inter"/>
               </a:rPr>
               <a:t>, </a:t>
             </a:r>
             <a:r>
-              <a:rPr lang="en-US" sz="2400">
+              <a:rPr lang="en-US" sz="2400" dirty="0" err="1">
                 <a:ea typeface="Inter"/>
                 <a:hlinkClick r:id="rId3"/>
               </a:rPr>
-              <a:t>Omandatud kõrgeim haridus</a:t>
-            </a:r>
-            <a:endParaRPr lang="en-US" sz="2400">
+              <a:t>Omandatud</a:t>
+            </a:r>
+            <a:r>
+              <a:rPr lang="en-US" sz="2400" dirty="0">
+                <a:ea typeface="Inter"/>
+                <a:hlinkClick r:id="rId3"/>
+              </a:rPr>
+              <a:t> </a:t>
+            </a:r>
+            <a:r>
+              <a:rPr lang="en-US" sz="2400" dirty="0" err="1">
+                <a:ea typeface="Inter"/>
+                <a:hlinkClick r:id="rId3"/>
+              </a:rPr>
+              <a:t>kõrgeim</a:t>
+            </a:r>
+            <a:r>
+              <a:rPr lang="en-US" sz="2400" dirty="0">
+                <a:ea typeface="Inter"/>
+                <a:hlinkClick r:id="rId3"/>
+              </a:rPr>
+              <a:t> </a:t>
+            </a:r>
+            <a:r>
+              <a:rPr lang="en-US" sz="2400" dirty="0" err="1">
+                <a:ea typeface="Inter"/>
+                <a:hlinkClick r:id="rId3"/>
+              </a:rPr>
+              <a:t>haridus</a:t>
+            </a:r>
+            <a:endParaRPr lang="en-US" sz="2400" dirty="0">
               <a:solidFill>
                 <a:srgbClr val="121212"/>
               </a:solidFill>
@@ -29327,43 +29474,43 @@
               </a:lnSpc>
             </a:pPr>
             <a:r>
-              <a:rPr lang="en-US" sz="2400" err="1">
+              <a:rPr lang="en-US" sz="2400" dirty="0" err="1">
                 <a:ea typeface="Inter"/>
               </a:rPr>
               <a:t>Riiklikult</a:t>
             </a:r>
             <a:r>
-              <a:rPr lang="en-US" sz="2400">
+              <a:rPr lang="en-US" sz="2400" dirty="0">
                 <a:ea typeface="Inter"/>
               </a:rPr>
               <a:t> </a:t>
             </a:r>
             <a:r>
-              <a:rPr lang="en-US" sz="2400" err="1">
+              <a:rPr lang="en-US" sz="2400" dirty="0" err="1">
                 <a:ea typeface="Inter"/>
               </a:rPr>
               <a:t>kasutusel</a:t>
             </a:r>
             <a:r>
-              <a:rPr lang="en-US" sz="2400">
+              <a:rPr lang="en-US" sz="2400" dirty="0">
                 <a:ea typeface="Inter"/>
               </a:rPr>
               <a:t> </a:t>
             </a:r>
             <a:r>
-              <a:rPr lang="en-US" sz="2400" err="1">
+              <a:rPr lang="en-US" sz="2400" dirty="0" err="1">
                 <a:ea typeface="Inter"/>
               </a:rPr>
               <a:t>olevad</a:t>
             </a:r>
             <a:r>
-              <a:rPr lang="en-US" sz="2400">
+              <a:rPr lang="en-US" sz="2400" dirty="0">
                 <a:ea typeface="Inter"/>
               </a:rPr>
               <a:t>: </a:t>
             </a:r>
             <a:r>
-              <a:rPr lang="en-US" sz="2400">
+              <a:rPr lang="en-US" sz="2400" dirty="0">
                 <a:latin typeface="Inter"/>
                 <a:ea typeface="Inter"/>
                 <a:hlinkClick r:id="rId4"/>
@@ -29371,7 +29518,7 @@
               <a:t>klassifikaatorid.stat.ee</a:t>
             </a:r>
             <a:r>
-              <a:rPr lang="en-US" sz="2400">
+              <a:rPr lang="en-US" sz="2400" dirty="0">
                 <a:latin typeface="Inter"/>
                 <a:ea typeface="Inter"/>
               </a:rPr>
@@ -29385,108 +29532,108 @@
               </a:lnSpc>
             </a:pPr>
             <a:r>
-              <a:rPr lang="en-US" sz="2400" err="1">
+              <a:rPr lang="en-US" sz="2400" dirty="0" err="1">
                 <a:ea typeface="Inter"/>
               </a:rPr>
               <a:t>Samade</a:t>
             </a:r>
             <a:r>
-              <a:rPr lang="en-US" sz="2400">
+              <a:rPr lang="en-US" sz="2400" dirty="0">
                 <a:ea typeface="Inter"/>
               </a:rPr>
               <a:t> </a:t>
             </a:r>
             <a:r>
-              <a:rPr lang="en-US" sz="2400" err="1">
+              <a:rPr lang="en-US" sz="2400" dirty="0" err="1">
                 <a:ea typeface="Inter"/>
               </a:rPr>
               <a:t>klassifikaatorite</a:t>
             </a:r>
             <a:r>
-              <a:rPr lang="en-US" sz="2400">
+              <a:rPr lang="en-US" sz="2400" dirty="0">
                 <a:ea typeface="Inter"/>
               </a:rPr>
               <a:t> </a:t>
             </a:r>
             <a:r>
-              <a:rPr lang="en-US" sz="2400" err="1">
+              <a:rPr lang="en-US" sz="2400" dirty="0" err="1">
                 <a:ea typeface="Inter"/>
               </a:rPr>
               <a:t>kasutamine</a:t>
             </a:r>
             <a:r>
-              <a:rPr lang="en-US" sz="2400">
+              <a:rPr lang="en-US" sz="2400" dirty="0">
                 <a:ea typeface="Inter"/>
               </a:rPr>
               <a:t> </a:t>
             </a:r>
             <a:r>
-              <a:rPr lang="en-US" sz="2400" err="1">
+              <a:rPr lang="en-US" sz="2400" dirty="0" err="1">
                 <a:ea typeface="Inter"/>
               </a:rPr>
               <a:t>võimaldab</a:t>
             </a:r>
             <a:r>
-              <a:rPr lang="en-US" sz="2400">
+              <a:rPr lang="en-US" sz="2400" dirty="0">
                 <a:ea typeface="Inter"/>
               </a:rPr>
               <a:t> </a:t>
             </a:r>
             <a:r>
-              <a:rPr lang="en-US" sz="2400" err="1">
+              <a:rPr lang="en-US" sz="2400" dirty="0" err="1">
                 <a:ea typeface="Inter"/>
               </a:rPr>
               <a:t>eri</a:t>
             </a:r>
             <a:r>
-              <a:rPr lang="en-US" sz="2400">
+              <a:rPr lang="en-US" sz="2400" dirty="0">
                 <a:ea typeface="Inter"/>
               </a:rPr>
               <a:t> </a:t>
             </a:r>
             <a:r>
-              <a:rPr lang="en-US" sz="2400" err="1">
+              <a:rPr lang="en-US" sz="2400" dirty="0" err="1">
                 <a:ea typeface="Inter"/>
               </a:rPr>
               <a:t>andmestike</a:t>
             </a:r>
             <a:r>
-              <a:rPr lang="en-US" sz="2400">
+              <a:rPr lang="en-US" sz="2400" dirty="0">
                 <a:ea typeface="Inter"/>
               </a:rPr>
               <a:t> </a:t>
             </a:r>
             <a:r>
-              <a:rPr lang="en-US" sz="2400" err="1">
+              <a:rPr lang="en-US" sz="2400" dirty="0" err="1">
                 <a:ea typeface="Inter"/>
               </a:rPr>
               <a:t>omavahel</a:t>
             </a:r>
             <a:r>
-              <a:rPr lang="en-US" sz="2400">
+              <a:rPr lang="en-US" sz="2400" dirty="0">
                 <a:ea typeface="Inter"/>
               </a:rPr>
               <a:t> </a:t>
             </a:r>
             <a:r>
-              <a:rPr lang="en-US" sz="2400" err="1">
+              <a:rPr lang="en-US" sz="2400" dirty="0" err="1">
                 <a:ea typeface="Inter"/>
               </a:rPr>
               <a:t>kergemini</a:t>
             </a:r>
             <a:r>
-              <a:rPr lang="en-US" sz="2400">
+              <a:rPr lang="en-US" sz="2400" dirty="0">
                 <a:ea typeface="Inter"/>
               </a:rPr>
               <a:t> </a:t>
             </a:r>
             <a:r>
-              <a:rPr lang="en-US" sz="2400" err="1">
+              <a:rPr lang="en-US" sz="2400" dirty="0" err="1">
                 <a:ea typeface="Inter"/>
               </a:rPr>
               <a:t>ühildada</a:t>
             </a:r>
-            <a:endParaRPr lang="en-US" sz="2400" err="1"/>
+            <a:endParaRPr lang="en-US" sz="2400" dirty="0"/>
           </a:p>
         </p:txBody>
       </p:sp>
@@ -36295,7 +36442,7 @@
           <p:nvPr>
             <p:extLst>
               <p:ext uri="{D42A27DB-BD31-4B8C-83A1-F6EECF244321}">
-                <p14:modId xmlns:p14="http://schemas.microsoft.com/office/powerpoint/2010/main" val="1479133809"/>
+                <p14:modId xmlns:p14="http://schemas.microsoft.com/office/powerpoint/2010/main" val="927793800"/>
               </p:ext>
             </p:extLst>
           </p:nvPr>
@@ -36625,8 +36772,8 @@
                     <a:lstStyle/>
                     <a:p>
                       <a:r>
-                        <a:rPr lang="en-US"/>
-                        <a:t>DATE</a:t>
+                        <a:rPr lang="en-US" dirty="0"/>
+                        <a:t>TEXT</a:t>
                       </a:r>
                     </a:p>
                   </a:txBody>
@@ -37094,35 +37241,35 @@
                         <a:buNone/>
                       </a:pPr>
                       <a:r>
-                        <a:rPr lang="en-US" err="1"/>
+                        <a:rPr lang="en-US" dirty="0" err="1"/>
                         <a:t>Kliendi</a:t>
                       </a:r>
                       <a:r>
-                        <a:rPr lang="en-US"/>
+                        <a:rPr lang="en-US" dirty="0"/>
                         <a:t> </a:t>
                       </a:r>
                       <a:r>
-                        <a:rPr lang="en-US" err="1"/>
+                        <a:rPr lang="en-US" dirty="0" err="1"/>
                         <a:t>regiooni</a:t>
                       </a:r>
                       <a:r>
-                        <a:rPr lang="en-US"/>
+                        <a:rPr lang="en-US" dirty="0"/>
                         <a:t> ID, </a:t>
                       </a:r>
                       <a:r>
-                        <a:rPr lang="en-US" err="1"/>
+                        <a:rPr lang="en-US" dirty="0" err="1"/>
                         <a:t>viide</a:t>
                       </a:r>
                       <a:r>
-                        <a:rPr lang="en-US"/>
+                        <a:rPr lang="en-US" dirty="0"/>
                         <a:t> </a:t>
                       </a:r>
                       <a:r>
-                        <a:rPr lang="en-US" err="1"/>
+                        <a:rPr lang="en-US" dirty="0" err="1"/>
                         <a:t>regioonitabelile</a:t>
                       </a:r>
                       <a:r>
-                        <a:rPr lang="en-US"/>
+                        <a:rPr lang="en-US" dirty="0"/>
                         <a:t>.</a:t>
                       </a:r>
                     </a:p>
@@ -39336,48 +39483,48 @@
               </a:lnSpc>
             </a:pPr>
             <a:r>
-              <a:rPr lang="en-US" sz="2000">
+              <a:rPr lang="en-US" sz="2000" dirty="0">
                 <a:ea typeface="Inter"/>
                 <a:cs typeface="+mn-lt"/>
               </a:rPr>
               <a:t>Leia </a:t>
             </a:r>
             <a:r>
-              <a:rPr lang="en-US" sz="2000" err="1">
+              <a:rPr lang="en-US" sz="2000" dirty="0" err="1">
                 <a:ea typeface="Inter"/>
                 <a:cs typeface="+mn-lt"/>
               </a:rPr>
               <a:t>müügisummad</a:t>
             </a:r>
             <a:r>
-              <a:rPr lang="en-US" sz="2000">
+              <a:rPr lang="en-US" sz="2000" dirty="0">
                 <a:ea typeface="Inter"/>
                 <a:cs typeface="+mn-lt"/>
               </a:rPr>
               <a:t> </a:t>
             </a:r>
             <a:r>
-              <a:rPr lang="en-US" sz="2000" err="1">
+              <a:rPr lang="en-US" sz="2000" dirty="0" err="1">
                 <a:ea typeface="Inter"/>
                 <a:cs typeface="+mn-lt"/>
               </a:rPr>
               <a:t>toodete</a:t>
             </a:r>
             <a:r>
-              <a:rPr lang="en-US" sz="2000">
+              <a:rPr lang="en-US" sz="2000" dirty="0">
                 <a:ea typeface="Inter"/>
                 <a:cs typeface="+mn-lt"/>
               </a:rPr>
               <a:t> </a:t>
             </a:r>
             <a:r>
-              <a:rPr lang="en-US" sz="2000" err="1">
+              <a:rPr lang="en-US" sz="2000" dirty="0" err="1">
                 <a:ea typeface="Inter"/>
                 <a:cs typeface="+mn-lt"/>
               </a:rPr>
               <a:t>kaupa</a:t>
             </a:r>
-            <a:endParaRPr lang="en-US" sz="2000" err="1">
+            <a:endParaRPr lang="en-US" sz="2000" dirty="0">
               <a:cs typeface="+mn-lt"/>
             </a:endParaRPr>
           </a:p>
@@ -39388,48 +39535,48 @@
               </a:lnSpc>
             </a:pPr>
             <a:r>
-              <a:rPr lang="en-US" sz="2000">
+              <a:rPr lang="en-US" sz="2000" dirty="0">
                 <a:ea typeface="Inter"/>
                 <a:cs typeface="+mn-lt"/>
               </a:rPr>
               <a:t>Leia </a:t>
             </a:r>
             <a:r>
-              <a:rPr lang="en-US" sz="2000" err="1">
+              <a:rPr lang="en-US" sz="2000" dirty="0" err="1">
                 <a:ea typeface="Inter"/>
                 <a:cs typeface="+mn-lt"/>
               </a:rPr>
               <a:t>müügisummad</a:t>
             </a:r>
             <a:r>
-              <a:rPr lang="en-US" sz="2000">
+              <a:rPr lang="en-US" sz="2000" dirty="0">
                 <a:ea typeface="Inter"/>
                 <a:cs typeface="+mn-lt"/>
               </a:rPr>
               <a:t> </a:t>
             </a:r>
             <a:r>
-              <a:rPr lang="en-US" sz="2000" err="1">
+              <a:rPr lang="en-US" sz="2000" dirty="0" err="1">
                 <a:ea typeface="Inter"/>
                 <a:cs typeface="+mn-lt"/>
               </a:rPr>
               <a:t>klientide</a:t>
             </a:r>
             <a:r>
-              <a:rPr lang="en-US" sz="2000">
+              <a:rPr lang="en-US" sz="2000" dirty="0">
                 <a:ea typeface="Inter"/>
                 <a:cs typeface="+mn-lt"/>
               </a:rPr>
               <a:t> </a:t>
             </a:r>
             <a:r>
-              <a:rPr lang="en-US" sz="2000" err="1">
+              <a:rPr lang="en-US" sz="2000" dirty="0" err="1">
                 <a:ea typeface="Inter"/>
                 <a:cs typeface="+mn-lt"/>
               </a:rPr>
               <a:t>kaupa</a:t>
             </a:r>
-            <a:endParaRPr lang="en-US" sz="2000" err="1">
+            <a:endParaRPr lang="en-US" sz="2000" dirty="0">
               <a:cs typeface="+mn-lt"/>
             </a:endParaRPr>
           </a:p>
@@ -39443,48 +39590,48 @@
               </a:buClr>
             </a:pPr>
             <a:r>
-              <a:rPr lang="en-US" sz="2000">
+              <a:rPr lang="en-US" sz="2000" dirty="0">
                 <a:ea typeface="Inter"/>
                 <a:cs typeface="+mn-lt"/>
               </a:rPr>
               <a:t>Leia </a:t>
             </a:r>
             <a:r>
-              <a:rPr lang="en-US" sz="2000" err="1">
+              <a:rPr lang="en-US" sz="2000" dirty="0" err="1">
                 <a:ea typeface="Inter"/>
                 <a:cs typeface="+mn-lt"/>
               </a:rPr>
               <a:t>müügisummad</a:t>
             </a:r>
             <a:r>
-              <a:rPr lang="en-US" sz="2000">
+              <a:rPr lang="en-US" sz="2000" dirty="0">
                 <a:ea typeface="Inter"/>
                 <a:cs typeface="+mn-lt"/>
               </a:rPr>
               <a:t> </a:t>
             </a:r>
             <a:r>
-              <a:rPr lang="en-US" sz="2000" err="1">
+              <a:rPr lang="en-US" sz="2000" dirty="0" err="1">
                 <a:ea typeface="Inter"/>
                 <a:cs typeface="+mn-lt"/>
               </a:rPr>
               <a:t>müügiesindajate</a:t>
             </a:r>
             <a:r>
-              <a:rPr lang="en-US" sz="2000">
+              <a:rPr lang="en-US" sz="2000" dirty="0">
                 <a:ea typeface="Inter"/>
                 <a:cs typeface="+mn-lt"/>
               </a:rPr>
               <a:t> </a:t>
             </a:r>
             <a:r>
-              <a:rPr lang="en-US" sz="2000" err="1">
+              <a:rPr lang="en-US" sz="2000" dirty="0" err="1">
                 <a:ea typeface="Inter"/>
                 <a:cs typeface="+mn-lt"/>
               </a:rPr>
               <a:t>kaupa</a:t>
             </a:r>
-            <a:endParaRPr lang="en-US" sz="2000" err="1">
+            <a:endParaRPr lang="en-US" sz="2000" dirty="0">
               <a:cs typeface="+mn-lt"/>
             </a:endParaRPr>
           </a:p>
@@ -39498,48 +39645,48 @@
               </a:buClr>
             </a:pPr>
             <a:r>
-              <a:rPr lang="en-US" sz="2000">
+              <a:rPr lang="en-US" sz="2000" dirty="0">
                 <a:ea typeface="Inter"/>
                 <a:cs typeface="+mn-lt"/>
               </a:rPr>
               <a:t>Leia </a:t>
             </a:r>
             <a:r>
-              <a:rPr lang="en-US" sz="2000" err="1">
+              <a:rPr lang="en-US" sz="2000" dirty="0" err="1">
                 <a:ea typeface="Inter"/>
                 <a:cs typeface="+mn-lt"/>
               </a:rPr>
               <a:t>müügisummad</a:t>
             </a:r>
             <a:r>
-              <a:rPr lang="en-US" sz="2000">
+              <a:rPr lang="en-US" sz="2000" dirty="0">
                 <a:ea typeface="Inter"/>
                 <a:cs typeface="+mn-lt"/>
               </a:rPr>
               <a:t> </a:t>
             </a:r>
             <a:r>
-              <a:rPr lang="en-US" sz="2000" err="1">
+              <a:rPr lang="en-US" sz="2000" dirty="0" err="1">
                 <a:ea typeface="Inter"/>
                 <a:cs typeface="+mn-lt"/>
               </a:rPr>
               <a:t>aastate</a:t>
             </a:r>
             <a:r>
-              <a:rPr lang="en-US" sz="2000">
+              <a:rPr lang="en-US" sz="2000" dirty="0">
                 <a:ea typeface="Inter"/>
                 <a:cs typeface="+mn-lt"/>
               </a:rPr>
               <a:t> </a:t>
             </a:r>
             <a:r>
-              <a:rPr lang="en-US" sz="2000" err="1">
+              <a:rPr lang="en-US" sz="2000" dirty="0" err="1">
                 <a:ea typeface="Inter"/>
                 <a:cs typeface="+mn-lt"/>
               </a:rPr>
               <a:t>kaupa</a:t>
             </a:r>
-            <a:endParaRPr lang="en-US" sz="2000">
+            <a:endParaRPr lang="en-US" sz="2000" dirty="0">
               <a:cs typeface="+mn-lt"/>
             </a:endParaRPr>
           </a:p>
@@ -39553,48 +39700,48 @@
               </a:buClr>
             </a:pPr>
             <a:r>
-              <a:rPr lang="en-US" sz="2000">
+              <a:rPr lang="en-US" sz="2000" dirty="0">
                 <a:ea typeface="Inter"/>
                 <a:cs typeface="+mn-lt"/>
               </a:rPr>
               <a:t>Lisa </a:t>
             </a:r>
             <a:r>
-              <a:rPr lang="en-US" sz="2000" err="1">
+              <a:rPr lang="en-US" sz="2000" dirty="0" err="1">
                 <a:ea typeface="Inter"/>
                 <a:cs typeface="+mn-lt"/>
               </a:rPr>
               <a:t>müükidele</a:t>
             </a:r>
             <a:r>
-              <a:rPr lang="en-US" sz="2000">
+              <a:rPr lang="en-US" sz="2000" dirty="0">
                 <a:ea typeface="Inter"/>
                 <a:cs typeface="+mn-lt"/>
               </a:rPr>
               <a:t> </a:t>
             </a:r>
             <a:r>
-              <a:rPr lang="en-US" sz="2000" err="1">
+              <a:rPr lang="en-US" sz="2000" dirty="0" err="1">
                 <a:ea typeface="Inter"/>
                 <a:cs typeface="+mn-lt"/>
               </a:rPr>
               <a:t>müügisumma</a:t>
             </a:r>
             <a:r>
-              <a:rPr lang="en-US" sz="2000">
+              <a:rPr lang="en-US" sz="2000" dirty="0">
                 <a:ea typeface="Inter"/>
                 <a:cs typeface="+mn-lt"/>
               </a:rPr>
               <a:t> </a:t>
             </a:r>
             <a:r>
-              <a:rPr lang="en-US" sz="2000" err="1">
+              <a:rPr lang="en-US" sz="2000" dirty="0" err="1">
                 <a:ea typeface="Inter"/>
                 <a:cs typeface="+mn-lt"/>
               </a:rPr>
               <a:t>kategooriad</a:t>
             </a:r>
-            <a:endParaRPr lang="en-US" sz="2000" err="1">
+            <a:endParaRPr lang="en-US" sz="2000" dirty="0">
               <a:cs typeface="+mn-lt"/>
             </a:endParaRPr>
           </a:p>
@@ -39606,13 +39753,13 @@
               <a:buAutoNum type="arabicPeriod"/>
             </a:pPr>
             <a:r>
-              <a:rPr lang="en-US" sz="2000">
+              <a:rPr lang="en-US" sz="2000" dirty="0">
                 <a:ea typeface="Inter"/>
                 <a:cs typeface="+mn-lt"/>
               </a:rPr>
               <a:t>Large Sale &gt; 500</a:t>
             </a:r>
-            <a:endParaRPr lang="en-US" sz="2000">
+            <a:endParaRPr lang="en-US" sz="2000" dirty="0">
               <a:cs typeface="+mn-lt"/>
             </a:endParaRPr>
           </a:p>
@@ -39624,13 +39771,13 @@
               <a:buAutoNum type="arabicPeriod"/>
             </a:pPr>
             <a:r>
-              <a:rPr lang="en-US" sz="2000">
+              <a:rPr lang="en-US" sz="2000" dirty="0">
                 <a:ea typeface="Inter"/>
                 <a:cs typeface="+mn-lt"/>
               </a:rPr>
               <a:t>Medium Sale &lt;= 500 and &gt;= 250</a:t>
             </a:r>
-            <a:endParaRPr lang="en-US" sz="2000">
+            <a:endParaRPr lang="en-US" sz="2000" dirty="0">
               <a:cs typeface="+mn-lt"/>
             </a:endParaRPr>
           </a:p>
@@ -39642,13 +39789,13 @@
               <a:buAutoNum type="arabicPeriod"/>
             </a:pPr>
             <a:r>
-              <a:rPr lang="en-US" sz="2000">
+              <a:rPr lang="en-US" sz="2000" dirty="0">
                 <a:ea typeface="Inter"/>
                 <a:cs typeface="+mn-lt"/>
               </a:rPr>
               <a:t>Small Sale &lt; 250</a:t>
             </a:r>
-            <a:endParaRPr lang="en-US" sz="2000">
+            <a:endParaRPr lang="en-US" sz="2000" dirty="0">
               <a:cs typeface="+mn-lt"/>
             </a:endParaRPr>
           </a:p>
@@ -39662,90 +39809,90 @@
               </a:buClr>
             </a:pPr>
             <a:r>
-              <a:rPr lang="en-US" sz="2000">
+              <a:rPr lang="en-US" sz="2000" dirty="0">
                 <a:ea typeface="Inter"/>
                 <a:cs typeface="+mn-lt"/>
               </a:rPr>
               <a:t>Leia </a:t>
             </a:r>
             <a:r>
-              <a:rPr lang="en-US" sz="2000" err="1">
+              <a:rPr lang="en-US" sz="2000" dirty="0" err="1">
                 <a:ea typeface="Inter"/>
                 <a:cs typeface="+mn-lt"/>
               </a:rPr>
               <a:t>müükide</a:t>
             </a:r>
             <a:r>
-              <a:rPr lang="en-US" sz="2000">
+              <a:rPr lang="en-US" sz="2000" dirty="0">
                 <a:ea typeface="Inter"/>
                 <a:cs typeface="+mn-lt"/>
               </a:rPr>
               <a:t> </a:t>
             </a:r>
             <a:r>
-              <a:rPr lang="en-US" sz="2000" err="1">
+              <a:rPr lang="en-US" sz="2000" dirty="0" err="1">
                 <a:ea typeface="Inter"/>
                 <a:cs typeface="+mn-lt"/>
               </a:rPr>
               <a:t>arv</a:t>
             </a:r>
             <a:r>
-              <a:rPr lang="en-US" sz="2000">
+              <a:rPr lang="en-US" sz="2000" dirty="0">
                 <a:ea typeface="Inter"/>
                 <a:cs typeface="+mn-lt"/>
               </a:rPr>
               <a:t> ja </a:t>
             </a:r>
             <a:r>
-              <a:rPr lang="en-US" sz="2000" err="1">
+              <a:rPr lang="en-US" sz="2000" dirty="0" err="1">
                 <a:ea typeface="Inter"/>
                 <a:cs typeface="+mn-lt"/>
               </a:rPr>
               <a:t>müügisumma</a:t>
             </a:r>
             <a:r>
-              <a:rPr lang="en-US" sz="2000">
+              <a:rPr lang="en-US" sz="2000" dirty="0">
                 <a:ea typeface="Inter"/>
                 <a:cs typeface="+mn-lt"/>
               </a:rPr>
               <a:t> </a:t>
             </a:r>
             <a:r>
-              <a:rPr lang="en-US" sz="2000" err="1">
+              <a:rPr lang="en-US" sz="2000" dirty="0" err="1">
                 <a:ea typeface="Inter"/>
                 <a:cs typeface="+mn-lt"/>
               </a:rPr>
               <a:t>müügisumma</a:t>
             </a:r>
             <a:r>
-              <a:rPr lang="en-US" sz="2000">
+              <a:rPr lang="en-US" sz="2000" dirty="0">
                 <a:ea typeface="Inter"/>
                 <a:cs typeface="+mn-lt"/>
               </a:rPr>
               <a:t> </a:t>
             </a:r>
             <a:r>
-              <a:rPr lang="en-US" sz="2000" err="1">
+              <a:rPr lang="en-US" sz="2000" dirty="0" err="1">
                 <a:ea typeface="Inter"/>
                 <a:cs typeface="+mn-lt"/>
               </a:rPr>
               <a:t>kategooriate</a:t>
             </a:r>
             <a:r>
-              <a:rPr lang="en-US" sz="2000">
+              <a:rPr lang="en-US" sz="2000" dirty="0">
                 <a:ea typeface="Inter"/>
                 <a:cs typeface="+mn-lt"/>
               </a:rPr>
               <a:t> </a:t>
             </a:r>
             <a:r>
-              <a:rPr lang="en-US" sz="2000" err="1">
+              <a:rPr lang="en-US" sz="2000" dirty="0" err="1">
                 <a:ea typeface="Inter"/>
                 <a:cs typeface="+mn-lt"/>
               </a:rPr>
               <a:t>kaupa</a:t>
             </a:r>
-            <a:endParaRPr lang="en-US" sz="2000" err="1">
+            <a:endParaRPr lang="en-US" sz="2000" dirty="0">
               <a:cs typeface="+mn-lt"/>
             </a:endParaRPr>
           </a:p>
@@ -39759,55 +39906,55 @@
               </a:buClr>
             </a:pPr>
             <a:r>
-              <a:rPr lang="en-US" sz="2000">
+              <a:rPr lang="en-US" sz="2000" dirty="0">
                 <a:ea typeface="Inter"/>
                 <a:cs typeface="+mn-lt"/>
               </a:rPr>
               <a:t>Mida </a:t>
             </a:r>
             <a:r>
-              <a:rPr lang="en-US" sz="2000" err="1">
+              <a:rPr lang="en-US" sz="2000" dirty="0" err="1">
                 <a:ea typeface="Inter"/>
                 <a:cs typeface="+mn-lt"/>
               </a:rPr>
               <a:t>veel</a:t>
             </a:r>
             <a:r>
-              <a:rPr lang="en-US" sz="2000">
+              <a:rPr lang="en-US" sz="2000" dirty="0">
                 <a:ea typeface="Inter"/>
                 <a:cs typeface="+mn-lt"/>
               </a:rPr>
               <a:t> </a:t>
             </a:r>
             <a:r>
-              <a:rPr lang="en-US" sz="2000" err="1">
+              <a:rPr lang="en-US" sz="2000" dirty="0" err="1">
                 <a:ea typeface="Inter"/>
                 <a:cs typeface="+mn-lt"/>
               </a:rPr>
               <a:t>võiks</a:t>
             </a:r>
             <a:r>
-              <a:rPr lang="en-US" sz="2000">
+              <a:rPr lang="en-US" sz="2000" dirty="0">
                 <a:ea typeface="Inter"/>
                 <a:cs typeface="+mn-lt"/>
               </a:rPr>
               <a:t> </a:t>
             </a:r>
             <a:r>
-              <a:rPr lang="en-US" sz="2000" err="1">
+              <a:rPr lang="en-US" sz="2000" dirty="0" err="1">
                 <a:ea typeface="Inter"/>
                 <a:cs typeface="+mn-lt"/>
               </a:rPr>
               <a:t>leida</a:t>
             </a:r>
             <a:r>
-              <a:rPr lang="en-US" sz="2000">
+              <a:rPr lang="en-US" sz="2000" dirty="0">
                 <a:ea typeface="Inter"/>
                 <a:cs typeface="+mn-lt"/>
               </a:rPr>
               <a:t>?</a:t>
             </a:r>
-            <a:endParaRPr lang="en-US" sz="2000">
+            <a:endParaRPr lang="en-US" sz="2000" dirty="0">
               <a:cs typeface="+mn-lt"/>
             </a:endParaRPr>
           </a:p>
@@ -39818,7 +39965,7 @@
               </a:lnSpc>
               <a:buAutoNum type="arabicPeriod"/>
             </a:pPr>
-            <a:endParaRPr lang="en-US">
+            <a:endParaRPr lang="en-US" dirty="0">
               <a:cs typeface="+mn-lt"/>
             </a:endParaRPr>
           </a:p>
@@ -39826,12 +39973,12 @@
             <a:pPr marL="0" indent="0">
               <a:buNone/>
             </a:pPr>
-            <a:endParaRPr lang="en-US">
+            <a:endParaRPr lang="en-US" dirty="0">
               <a:cs typeface="+mn-lt"/>
             </a:endParaRPr>
           </a:p>
           <a:p>
-            <a:endParaRPr lang="en-US">
+            <a:endParaRPr lang="en-US" dirty="0">
               <a:cs typeface="+mn-lt"/>
             </a:endParaRPr>
           </a:p>
@@ -42779,6 +42926,15 @@
 </file>
 
 <file path=customXml/item1.xml><?xml version="1.0" encoding="utf-8"?>
+<?mso-contentType ?>
+<FormTemplates xmlns="http://schemas.microsoft.com/sharepoint/v3/contenttype/forms">
+  <Display>DocumentLibraryForm</Display>
+  <Edit>DocumentLibraryForm</Edit>
+  <New>DocumentLibraryForm</New>
+</FormTemplates>
+</file>
+
+<file path=customXml/item2.xml><?xml version="1.0" encoding="utf-8"?>
 <ct:contentTypeSchema xmlns:ct="http://schemas.microsoft.com/office/2006/metadata/contentType" xmlns:ma="http://schemas.microsoft.com/office/2006/metadata/properties/metaAttributes" ct:_="" ma:_="" ma:contentTypeName="Document" ma:contentTypeID="0x010100C4D27B8FA8976546BCD79313C588588D" ma:contentTypeVersion="8" ma:contentTypeDescription="Create a new document." ma:contentTypeScope="" ma:versionID="a112c56f6fe148a79025c76584832af0">
   <xsd:schema xmlns:xsd="http://www.w3.org/2001/XMLSchema" xmlns:xs="http://www.w3.org/2001/XMLSchema" xmlns:p="http://schemas.microsoft.com/office/2006/metadata/properties" xmlns:ns2="a1a2d923-8fea-42f1-bd41-9cdfff65694e" targetNamespace="http://schemas.microsoft.com/office/2006/metadata/properties" ma:root="true" ma:fieldsID="97c8655d467eaa9470a714421e7268c0" ns2:_="">
     <xsd:import namespace="a1a2d923-8fea-42f1-bd41-9cdfff65694e"/>
@@ -42946,15 +43102,6 @@
 </ct:contentTypeSchema>
 </file>
 
-<file path=customXml/item2.xml><?xml version="1.0" encoding="utf-8"?>
-<?mso-contentType ?>
-<FormTemplates xmlns="http://schemas.microsoft.com/sharepoint/v3/contenttype/forms">
-  <Display>DocumentLibraryForm</Display>
-  <Edit>DocumentLibraryForm</Edit>
-  <New>DocumentLibraryForm</New>
-</FormTemplates>
-</file>
-
 <file path=customXml/item3.xml><?xml version="1.0" encoding="utf-8"?>
 <p:properties xmlns:p="http://schemas.microsoft.com/office/2006/metadata/properties" xmlns:xsi="http://www.w3.org/2001/XMLSchema-instance" xmlns:pc="http://schemas.microsoft.com/office/infopath/2007/PartnerControls">
   <documentManagement/>
@@ -42962,6 +43109,14 @@
 </file>
 
 <file path=customXml/itemProps1.xml><?xml version="1.0" encoding="utf-8"?>
+<ds:datastoreItem xmlns:ds="http://schemas.openxmlformats.org/officeDocument/2006/customXml" ds:itemID="{9DC439CA-6F1C-4005-ACA6-A52E04DEE0A7}">
+  <ds:schemaRefs>
+    <ds:schemaRef ds:uri="http://schemas.microsoft.com/sharepoint/v3/contenttype/forms"/>
+  </ds:schemaRefs>
+</ds:datastoreItem>
+</file>
+
+<file path=customXml/itemProps2.xml><?xml version="1.0" encoding="utf-8"?>
 <ds:datastoreItem xmlns:ds="http://schemas.openxmlformats.org/officeDocument/2006/customXml" ds:itemID="{9CF4F972-2392-44D0-AA45-41AC4FDC4A59}">
   <ds:schemaRefs>
     <ds:schemaRef ds:uri="a1a2d923-8fea-42f1-bd41-9cdfff65694e"/>
@@ -42979,14 +43134,6 @@
 </ds:datastoreItem>
 </file>
 
-<file path=customXml/itemProps2.xml><?xml version="1.0" encoding="utf-8"?>
-<ds:datastoreItem xmlns:ds="http://schemas.openxmlformats.org/officeDocument/2006/customXml" ds:itemID="{9DC439CA-6F1C-4005-ACA6-A52E04DEE0A7}">
-  <ds:schemaRefs>
-    <ds:schemaRef ds:uri="http://schemas.microsoft.com/sharepoint/v3/contenttype/forms"/>
-  </ds:schemaRefs>
-</ds:datastoreItem>
-</file>
-
 <file path=customXml/itemProps3.xml><?xml version="1.0" encoding="utf-8"?>
 <ds:datastoreItem xmlns:ds="http://schemas.openxmlformats.org/officeDocument/2006/customXml" ds:itemID="{5BDF4908-A52A-47DD-A794-6E02D71942FC}">
   <ds:schemaRefs>
